--- a/trunk/mytesgnikrow --username hotga2801/SELAB/Dongle/Report/DongleModel.pptx
+++ b/trunk/mytesgnikrow --username hotga2801/SELAB/Dongle/Report/DongleModel.pptx
@@ -5871,46 +5871,6 @@
             <a:pPr algn="ctr">
               <a:buNone/>
             </a:pPr>
-            <a:r>
-              <a:rPr lang="en-US" sz="2200" dirty="0" err="1" smtClean="0"/>
-              <a:t>Trình</a:t>
-            </a:r>
-            <a:r>
-              <a:rPr lang="en-US" sz="2200" dirty="0" smtClean="0"/>
-              <a:t> </a:t>
-            </a:r>
-            <a:r>
-              <a:rPr lang="en-US" sz="2200" dirty="0" err="1" smtClean="0"/>
-              <a:t>bày</a:t>
-            </a:r>
-            <a:r>
-              <a:rPr lang="en-US" sz="2200" dirty="0" smtClean="0"/>
-              <a:t>: </a:t>
-            </a:r>
-            <a:r>
-              <a:rPr lang="en-US" sz="2200" dirty="0" err="1" smtClean="0"/>
-              <a:t>Vạn</a:t>
-            </a:r>
-            <a:r>
-              <a:rPr lang="en-US" sz="2200" dirty="0" smtClean="0"/>
-              <a:t> </a:t>
-            </a:r>
-            <a:r>
-              <a:rPr lang="en-US" sz="2200" dirty="0" err="1" smtClean="0"/>
-              <a:t>Duy</a:t>
-            </a:r>
-            <a:r>
-              <a:rPr lang="en-US" sz="2200" dirty="0" smtClean="0"/>
-              <a:t> </a:t>
-            </a:r>
-            <a:r>
-              <a:rPr lang="en-US" sz="2200" dirty="0" err="1" smtClean="0"/>
-              <a:t>Thanh</a:t>
-            </a:r>
-            <a:r>
-              <a:rPr lang="en-US" sz="2200" dirty="0" smtClean="0"/>
-              <a:t> Long</a:t>
-            </a:r>
             <a:endParaRPr lang="en-US" sz="2200" dirty="0"/>
           </a:p>
         </p:txBody>
@@ -7334,11 +7294,6 @@
                 </a:rPr>
                 <a:t>3</a:t>
               </a:r>
-              <a:endParaRPr lang="en-US" sz="2400" dirty="0">
-                <a:solidFill>
-                  <a:schemeClr val="bg1"/>
-                </a:solidFill>
-              </a:endParaRPr>
             </a:p>
           </p:txBody>
         </p:sp>
@@ -7561,15 +7516,7 @@
                   <a:schemeClr val="tx1"/>
                 </a:solidFill>
               </a:rPr>
-              <a:t> </a:t>
-            </a:r>
-            <a:r>
-              <a:rPr lang="en-US" sz="3200" dirty="0" smtClean="0">
-                <a:solidFill>
-                  <a:schemeClr val="tx1"/>
-                </a:solidFill>
-              </a:rPr>
-              <a:t>1</a:t>
+              <a:t> 1</a:t>
             </a:r>
             <a:endParaRPr lang="en-US" sz="3200" dirty="0">
               <a:solidFill>
@@ -10433,11 +10380,6 @@
                 </a:rPr>
                 <a:t>3</a:t>
               </a:r>
-              <a:endParaRPr lang="en-US" sz="2400" dirty="0">
-                <a:solidFill>
-                  <a:schemeClr val="bg1"/>
-                </a:solidFill>
-              </a:endParaRPr>
             </a:p>
           </p:txBody>
         </p:sp>
@@ -12688,11 +12630,6 @@
                 </a:rPr>
                 <a:t>3</a:t>
               </a:r>
-              <a:endParaRPr lang="en-US" sz="2400" dirty="0">
-                <a:solidFill>
-                  <a:schemeClr val="bg1"/>
-                </a:solidFill>
-              </a:endParaRPr>
             </a:p>
           </p:txBody>
         </p:sp>
@@ -13247,13 +13184,8 @@
             </a:r>
             <a:r>
               <a:rPr lang="en-US" dirty="0" smtClean="0"/>
-              <a:t> </a:t>
-            </a:r>
-            <a:r>
-              <a:rPr lang="en-US" dirty="0" smtClean="0"/>
-              <a:t>qua ID </a:t>
-            </a:r>
-            <a:endParaRPr lang="en-US" dirty="0" smtClean="0"/>
+              <a:t> qua ID </a:t>
+            </a:r>
           </a:p>
           <a:p>
             <a:pPr fontAlgn="ctr">
@@ -14469,17 +14401,7 @@
                   </a:schemeClr>
                 </a:solidFill>
               </a:rPr>
-              <a:t> device</a:t>
-            </a:r>
-            <a:r>
-              <a:rPr lang="en-US" sz="1800" dirty="0" smtClean="0">
-                <a:solidFill>
-                  <a:schemeClr val="accent1">
-                    <a:lumMod val="50000"/>
-                  </a:schemeClr>
-                </a:solidFill>
-              </a:rPr>
-              <a:t>]}</a:t>
+              <a:t> device]}</a:t>
             </a:r>
           </a:p>
           <a:p>
@@ -15496,11 +15418,7 @@
             </a:r>
             <a:r>
               <a:rPr lang="en-US" dirty="0" smtClean="0"/>
-              <a:t> </a:t>
-            </a:r>
-            <a:r>
-              <a:rPr lang="en-US" dirty="0" smtClean="0"/>
-              <a:t>(</a:t>
+              <a:t> (</a:t>
             </a:r>
             <a:r>
               <a:rPr lang="en-US" dirty="0" err="1" smtClean="0"/>
@@ -15605,7 +15523,6 @@
               <a:rPr lang="en-US" dirty="0" smtClean="0"/>
               <a:t> host).</a:t>
             </a:r>
-            <a:endParaRPr lang="en-US" dirty="0" smtClean="0"/>
           </a:p>
         </p:txBody>
       </p:sp>
@@ -15905,11 +15822,7 @@
             </a:pPr>
             <a:r>
               <a:rPr lang="en-US" dirty="0" err="1" smtClean="0"/>
-              <a:t>Đ</a:t>
-            </a:r>
-            <a:r>
-              <a:rPr lang="en-US" dirty="0" err="1" smtClean="0"/>
-              <a:t>ảm</a:t>
+              <a:t>Đảm</a:t>
             </a:r>
             <a:r>
               <a:rPr lang="en-US" dirty="0" smtClean="0"/>
@@ -15921,11 +15834,7 @@
             </a:r>
             <a:r>
               <a:rPr lang="en-US" dirty="0" smtClean="0"/>
-              <a:t> </a:t>
-            </a:r>
-            <a:r>
-              <a:rPr lang="en-US" dirty="0" smtClean="0"/>
-              <a:t>license </a:t>
+              <a:t> license </a:t>
             </a:r>
             <a:r>
               <a:rPr lang="en-US" dirty="0" err="1" smtClean="0"/>
